--- a/zFiles/MigrateToCloud.pptx
+++ b/zFiles/MigrateToCloud.pptx
@@ -5,13 +5,14 @@
     <p:sldMasterId id="2147483648" r:id="rId3"/>
   </p:sldMasterIdLst>
   <p:notesMasterIdLst>
-    <p:notesMasterId r:id="rId5"/>
+    <p:notesMasterId r:id="rId6"/>
   </p:notesMasterIdLst>
   <p:handoutMasterIdLst>
-    <p:handoutMasterId r:id="rId6"/>
+    <p:handoutMasterId r:id="rId7"/>
   </p:handoutMasterIdLst>
   <p:sldIdLst>
     <p:sldId id="256" r:id="rId4"/>
+    <p:sldId id="257" r:id="rId5"/>
   </p:sldIdLst>
   <p:sldSz cx="12192000" cy="6858000"/>
   <p:notesSz cx="6858000" cy="9144000"/>
@@ -110,6 +111,11 @@
       </a:defRPr>
     </a:lvl9pPr>
   </p:defaultTextStyle>
+  <p:extLst>
+    <p:ext uri="{EFAFB233-063F-42B5-8137-9DF3F51BA10A}">
+      <p15:sldGuideLst xmlns:p15="http://schemas.microsoft.com/office/powerpoint/2012/main"/>
+    </p:ext>
+  </p:extLst>
 </p:presentation>
 </file>
 
@@ -1016,10 +1022,24 @@
     <dgm:pt modelId="{3971D69E-B160-4241-A3CC-00DE4AF4CFB4}" type="pres">
       <dgm:prSet presAssocID="{24D2AE4E-45EF-4EB6-AA79-BB6D4378E8AC}" presName="sibTrans" presStyleLbl="sibTrans2D1" presStyleIdx="0" presStyleCnt="2"/>
       <dgm:spPr/>
+      <dgm:t>
+        <a:bodyPr/>
+        <a:lstStyle/>
+        <a:p>
+          <a:endParaRPr lang="en-US"/>
+        </a:p>
+      </dgm:t>
     </dgm:pt>
     <dgm:pt modelId="{23EFE8DA-CB90-4DDC-93A9-8FFF685F1A23}" type="pres">
       <dgm:prSet presAssocID="{24D2AE4E-45EF-4EB6-AA79-BB6D4378E8AC}" presName="connectorText" presStyleLbl="sibTrans2D1" presStyleIdx="0" presStyleCnt="2"/>
       <dgm:spPr/>
+      <dgm:t>
+        <a:bodyPr/>
+        <a:lstStyle/>
+        <a:p>
+          <a:endParaRPr lang="en-US"/>
+        </a:p>
+      </dgm:t>
     </dgm:pt>
     <dgm:pt modelId="{9FB2E942-09D9-4E18-9C37-EC7315B62E3B}" type="pres">
       <dgm:prSet presAssocID="{A936A7C3-95CE-45A8-B811-D93D12EC6A7D}" presName="node" presStyleLbl="node1" presStyleIdx="1" presStyleCnt="3" custScaleX="319170" custScaleY="290938">
@@ -1032,14 +1052,35 @@
           <a:avLst/>
         </a:prstGeom>
       </dgm:spPr>
+      <dgm:t>
+        <a:bodyPr/>
+        <a:lstStyle/>
+        <a:p>
+          <a:endParaRPr lang="en-US"/>
+        </a:p>
+      </dgm:t>
     </dgm:pt>
     <dgm:pt modelId="{6BE1A4BC-EDC9-4B93-B4BC-3116C2153F4F}" type="pres">
       <dgm:prSet presAssocID="{477B27FB-7E5D-455A-9094-A21960BC6845}" presName="sibTrans" presStyleLbl="sibTrans2D1" presStyleIdx="1" presStyleCnt="2"/>
       <dgm:spPr/>
+      <dgm:t>
+        <a:bodyPr/>
+        <a:lstStyle/>
+        <a:p>
+          <a:endParaRPr lang="en-US"/>
+        </a:p>
+      </dgm:t>
     </dgm:pt>
     <dgm:pt modelId="{832B1D53-53B6-458D-8DD2-ABB39EB9EF05}" type="pres">
       <dgm:prSet presAssocID="{477B27FB-7E5D-455A-9094-A21960BC6845}" presName="connectorText" presStyleLbl="sibTrans2D1" presStyleIdx="1" presStyleCnt="2"/>
       <dgm:spPr/>
+      <dgm:t>
+        <a:bodyPr/>
+        <a:lstStyle/>
+        <a:p>
+          <a:endParaRPr lang="en-US"/>
+        </a:p>
+      </dgm:t>
     </dgm:pt>
     <dgm:pt modelId="{6E6203CC-384C-4A64-A8DD-C21CFA6903DE}" type="pres">
       <dgm:prSet presAssocID="{1226E969-4315-4DFD-AB5E-D1BEE6A4B744}" presName="node" presStyleLbl="node1" presStyleIdx="2" presStyleCnt="3" custScaleX="146429" custScaleY="132273">
@@ -1052,20 +1093,27 @@
           <a:avLst/>
         </a:prstGeom>
       </dgm:spPr>
+      <dgm:t>
+        <a:bodyPr/>
+        <a:lstStyle/>
+        <a:p>
+          <a:endParaRPr lang="en-US"/>
+        </a:p>
+      </dgm:t>
     </dgm:pt>
   </dgm:ptLst>
   <dgm:cxnLst>
     <dgm:cxn modelId="{9F33E849-342D-46B7-BA15-959CDE56DDD5}" type="presOf" srcId="{1226E969-4315-4DFD-AB5E-D1BEE6A4B744}" destId="{6E6203CC-384C-4A64-A8DD-C21CFA6903DE}" srcOrd="0" destOrd="0" presId="urn:microsoft.com/office/officeart/2005/8/layout/process1"/>
     <dgm:cxn modelId="{ADD7252F-392A-471C-8087-607922294913}" type="presOf" srcId="{477B27FB-7E5D-455A-9094-A21960BC6845}" destId="{832B1D53-53B6-458D-8DD2-ABB39EB9EF05}" srcOrd="1" destOrd="0" presId="urn:microsoft.com/office/officeart/2005/8/layout/process1"/>
+    <dgm:cxn modelId="{0279F0EF-45EF-454C-A496-CA4A0B5945D3}" type="presOf" srcId="{BADA57A1-F1B4-446C-83CC-149CA4298183}" destId="{98374219-C565-4EBA-B5B6-6C438B99B8CF}" srcOrd="0" destOrd="0" presId="urn:microsoft.com/office/officeart/2005/8/layout/process1"/>
+    <dgm:cxn modelId="{B38008B0-29B4-4C41-AD97-A16A58C62A48}" type="presOf" srcId="{A936A7C3-95CE-45A8-B811-D93D12EC6A7D}" destId="{9FB2E942-09D9-4E18-9C37-EC7315B62E3B}" srcOrd="0" destOrd="0" presId="urn:microsoft.com/office/officeart/2005/8/layout/process1"/>
+    <dgm:cxn modelId="{9A8B75F1-960F-4788-BBEF-787A4640BB31}" srcId="{68710D5F-DDB6-43DC-9370-F008079F16A4}" destId="{BADA57A1-F1B4-446C-83CC-149CA4298183}" srcOrd="0" destOrd="0" parTransId="{A7D9A77B-2A37-4D28-9FE7-54CE518EFCB7}" sibTransId="{24D2AE4E-45EF-4EB6-AA79-BB6D4378E8AC}"/>
     <dgm:cxn modelId="{AD187AB6-3BAD-428B-93ED-14E34DD1F1E2}" type="presOf" srcId="{24D2AE4E-45EF-4EB6-AA79-BB6D4378E8AC}" destId="{23EFE8DA-CB90-4DDC-93A9-8FFF685F1A23}" srcOrd="1" destOrd="0" presId="urn:microsoft.com/office/officeart/2005/8/layout/process1"/>
-    <dgm:cxn modelId="{0279F0EF-45EF-454C-A496-CA4A0B5945D3}" type="presOf" srcId="{BADA57A1-F1B4-446C-83CC-149CA4298183}" destId="{98374219-C565-4EBA-B5B6-6C438B99B8CF}" srcOrd="0" destOrd="0" presId="urn:microsoft.com/office/officeart/2005/8/layout/process1"/>
+    <dgm:cxn modelId="{6DDFA4CE-8D99-4581-B60D-E2C7C7DEB8D6}" type="presOf" srcId="{68710D5F-DDB6-43DC-9370-F008079F16A4}" destId="{2427912D-A946-4E39-B64B-0786715EB1DB}" srcOrd="0" destOrd="0" presId="urn:microsoft.com/office/officeart/2005/8/layout/process1"/>
+    <dgm:cxn modelId="{16877AA8-261B-45F7-B54A-0D088703E94C}" srcId="{68710D5F-DDB6-43DC-9370-F008079F16A4}" destId="{A936A7C3-95CE-45A8-B811-D93D12EC6A7D}" srcOrd="1" destOrd="0" parTransId="{7F47D563-23E2-4A04-B507-3E07A193A80C}" sibTransId="{477B27FB-7E5D-455A-9094-A21960BC6845}"/>
+    <dgm:cxn modelId="{37DF4B75-3E39-456C-97BE-1C533BD5F7FB}" srcId="{68710D5F-DDB6-43DC-9370-F008079F16A4}" destId="{1226E969-4315-4DFD-AB5E-D1BEE6A4B744}" srcOrd="2" destOrd="0" parTransId="{041ECB50-328D-4C38-9054-DB5AF8FE6B19}" sibTransId="{DD13A900-6874-42FD-9247-95783F296A68}"/>
     <dgm:cxn modelId="{73F683EB-430D-47F4-B798-163A386F0A89}" type="presOf" srcId="{477B27FB-7E5D-455A-9094-A21960BC6845}" destId="{6BE1A4BC-EDC9-4B93-B4BC-3116C2153F4F}" srcOrd="0" destOrd="0" presId="urn:microsoft.com/office/officeart/2005/8/layout/process1"/>
-    <dgm:cxn modelId="{6DDFA4CE-8D99-4581-B60D-E2C7C7DEB8D6}" type="presOf" srcId="{68710D5F-DDB6-43DC-9370-F008079F16A4}" destId="{2427912D-A946-4E39-B64B-0786715EB1DB}" srcOrd="0" destOrd="0" presId="urn:microsoft.com/office/officeart/2005/8/layout/process1"/>
-    <dgm:cxn modelId="{37DF4B75-3E39-456C-97BE-1C533BD5F7FB}" srcId="{68710D5F-DDB6-43DC-9370-F008079F16A4}" destId="{1226E969-4315-4DFD-AB5E-D1BEE6A4B744}" srcOrd="2" destOrd="0" parTransId="{041ECB50-328D-4C38-9054-DB5AF8FE6B19}" sibTransId="{DD13A900-6874-42FD-9247-95783F296A68}"/>
     <dgm:cxn modelId="{60B987FE-87EF-48FE-BD28-BD319CC66CE5}" type="presOf" srcId="{24D2AE4E-45EF-4EB6-AA79-BB6D4378E8AC}" destId="{3971D69E-B160-4241-A3CC-00DE4AF4CFB4}" srcOrd="0" destOrd="0" presId="urn:microsoft.com/office/officeart/2005/8/layout/process1"/>
-    <dgm:cxn modelId="{16877AA8-261B-45F7-B54A-0D088703E94C}" srcId="{68710D5F-DDB6-43DC-9370-F008079F16A4}" destId="{A936A7C3-95CE-45A8-B811-D93D12EC6A7D}" srcOrd="1" destOrd="0" parTransId="{7F47D563-23E2-4A04-B507-3E07A193A80C}" sibTransId="{477B27FB-7E5D-455A-9094-A21960BC6845}"/>
-    <dgm:cxn modelId="{9A8B75F1-960F-4788-BBEF-787A4640BB31}" srcId="{68710D5F-DDB6-43DC-9370-F008079F16A4}" destId="{BADA57A1-F1B4-446C-83CC-149CA4298183}" srcOrd="0" destOrd="0" parTransId="{A7D9A77B-2A37-4D28-9FE7-54CE518EFCB7}" sibTransId="{24D2AE4E-45EF-4EB6-AA79-BB6D4378E8AC}"/>
-    <dgm:cxn modelId="{B38008B0-29B4-4C41-AD97-A16A58C62A48}" type="presOf" srcId="{A936A7C3-95CE-45A8-B811-D93D12EC6A7D}" destId="{9FB2E942-09D9-4E18-9C37-EC7315B62E3B}" srcOrd="0" destOrd="0" presId="urn:microsoft.com/office/officeart/2005/8/layout/process1"/>
     <dgm:cxn modelId="{164033E1-3A15-45B8-83C0-50602C6FC1E5}" type="presParOf" srcId="{2427912D-A946-4E39-B64B-0786715EB1DB}" destId="{98374219-C565-4EBA-B5B6-6C438B99B8CF}" srcOrd="0" destOrd="0" presId="urn:microsoft.com/office/officeart/2005/8/layout/process1"/>
     <dgm:cxn modelId="{145FD7C2-321A-417A-8A75-07324430F9DB}" type="presParOf" srcId="{2427912D-A946-4E39-B64B-0786715EB1DB}" destId="{3971D69E-B160-4241-A3CC-00DE4AF4CFB4}" srcOrd="1" destOrd="0" presId="urn:microsoft.com/office/officeart/2005/8/layout/process1"/>
     <dgm:cxn modelId="{EB7D4161-61FC-41EA-8B51-F360FE36349C}" type="presParOf" srcId="{3971D69E-B160-4241-A3CC-00DE4AF4CFB4}" destId="{23EFE8DA-CB90-4DDC-93A9-8FFF685F1A23}" srcOrd="0" destOrd="0" presId="urn:microsoft.com/office/officeart/2005/8/layout/process1"/>
@@ -2728,7 +2776,7 @@
           <a:p>
             <a:fld id="{AE2704C3-C35B-4D30-B071-A0ABC2C338FD}" type="datetimeFigureOut">
               <a:rPr lang="en-GB" smtClean="0"/>
-              <a:t>11/01/2018</a:t>
+              <a:t>19/02/2018</a:t>
             </a:fld>
             <a:endParaRPr lang="en-GB"/>
           </a:p>
@@ -2893,7 +2941,7 @@
           <a:p>
             <a:fld id="{344256D0-A143-4F01-A576-5E1A199F6D22}" type="datetimeFigureOut">
               <a:rPr lang="en-GB" smtClean="0"/>
-              <a:t>11/01/2018</a:t>
+              <a:t>19/02/2018</a:t>
             </a:fld>
             <a:endParaRPr lang="en-GB"/>
           </a:p>
@@ -3284,6 +3332,128 @@
 </p:notes>
 </file>
 
+<file path=ppt/notesSlides/notesSlide2.xml><?xml version="1.0" encoding="utf-8"?>
+<p:notes xmlns:a="http://schemas.openxmlformats.org/drawingml/2006/main" xmlns:r="http://schemas.openxmlformats.org/officeDocument/2006/relationships" xmlns:p="http://schemas.openxmlformats.org/presentationml/2006/main">
+  <p:cSld>
+    <p:spTree>
+      <p:nvGrpSpPr>
+        <p:cNvPr id="1" name=""/>
+        <p:cNvGrpSpPr/>
+        <p:nvPr/>
+      </p:nvGrpSpPr>
+      <p:grpSpPr>
+        <a:xfrm>
+          <a:off x="0" y="0"/>
+          <a:ext cx="0" cy="0"/>
+          <a:chOff x="0" y="0"/>
+          <a:chExt cx="0" cy="0"/>
+        </a:xfrm>
+      </p:grpSpPr>
+      <p:sp>
+        <p:nvSpPr>
+          <p:cNvPr id="2" name="Slide Image Placeholder 1"/>
+          <p:cNvSpPr>
+            <a:spLocks noGrp="1" noRot="1" noChangeAspect="1"/>
+          </p:cNvSpPr>
+          <p:nvPr>
+            <p:ph type="sldImg"/>
+          </p:nvPr>
+        </p:nvSpPr>
+        <p:spPr/>
+      </p:sp>
+      <p:sp>
+        <p:nvSpPr>
+          <p:cNvPr id="3" name="Notes Placeholder 2"/>
+          <p:cNvSpPr>
+            <a:spLocks noGrp="1"/>
+          </p:cNvSpPr>
+          <p:nvPr>
+            <p:ph type="body" idx="1"/>
+          </p:nvPr>
+        </p:nvSpPr>
+        <p:spPr/>
+        <p:txBody>
+          <a:bodyPr/>
+          <a:lstStyle/>
+          <a:p>
+            <a:endParaRPr lang="en-GB"/>
+          </a:p>
+        </p:txBody>
+      </p:sp>
+      <p:sp>
+        <p:nvSpPr>
+          <p:cNvPr id="4" name="Header Placeholder 3"/>
+          <p:cNvSpPr>
+            <a:spLocks noGrp="1"/>
+          </p:cNvSpPr>
+          <p:nvPr>
+            <p:ph type="hdr" sz="quarter" idx="10"/>
+          </p:nvPr>
+        </p:nvSpPr>
+        <p:spPr/>
+        <p:txBody>
+          <a:bodyPr/>
+          <a:lstStyle/>
+          <a:p>
+            <a:endParaRPr lang="en-GB"/>
+          </a:p>
+        </p:txBody>
+      </p:sp>
+      <p:sp>
+        <p:nvSpPr>
+          <p:cNvPr id="5" name="Footer Placeholder 4"/>
+          <p:cNvSpPr>
+            <a:spLocks noGrp="1"/>
+          </p:cNvSpPr>
+          <p:nvPr>
+            <p:ph type="ftr" sz="quarter" idx="11"/>
+          </p:nvPr>
+        </p:nvSpPr>
+        <p:spPr/>
+        <p:txBody>
+          <a:bodyPr/>
+          <a:lstStyle/>
+          <a:p>
+            <a:endParaRPr lang="en-GB"/>
+          </a:p>
+        </p:txBody>
+      </p:sp>
+      <p:sp>
+        <p:nvSpPr>
+          <p:cNvPr id="6" name="Slide Number Placeholder 5"/>
+          <p:cNvSpPr>
+            <a:spLocks noGrp="1"/>
+          </p:cNvSpPr>
+          <p:nvPr>
+            <p:ph type="sldNum" sz="quarter" idx="12"/>
+          </p:nvPr>
+        </p:nvSpPr>
+        <p:spPr/>
+        <p:txBody>
+          <a:bodyPr/>
+          <a:lstStyle/>
+          <a:p>
+            <a:fld id="{2A2C6A8E-0FA0-421B-BF68-C2783DB356C5}" type="slidenum">
+              <a:rPr lang="en-GB" smtClean="0"/>
+              <a:t>2</a:t>
+            </a:fld>
+            <a:endParaRPr lang="en-GB"/>
+          </a:p>
+        </p:txBody>
+      </p:sp>
+    </p:spTree>
+    <p:extLst>
+      <p:ext uri="{BB962C8B-B14F-4D97-AF65-F5344CB8AC3E}">
+        <p14:creationId xmlns:p14="http://schemas.microsoft.com/office/powerpoint/2010/main" val="2848260532"/>
+      </p:ext>
+    </p:extLst>
+  </p:cSld>
+  <p:clrMapOvr>
+    <a:masterClrMapping/>
+  </p:clrMapOvr>
+</p:notes>
+</file>
+
 <file path=ppt/slideLayouts/slideLayout1.xml><?xml version="1.0" encoding="utf-8"?>
 <p:sldLayout xmlns:a="http://schemas.openxmlformats.org/drawingml/2006/main" xmlns:r="http://schemas.openxmlformats.org/officeDocument/2006/relationships" xmlns:p="http://schemas.openxmlformats.org/presentationml/2006/main" type="title" preserve="1">
   <p:cSld name="Title Slide">
@@ -3415,7 +3585,7 @@
           <a:p>
             <a:fld id="{54E4F3F3-8BA8-4CF3-B83F-09C4E1009947}" type="datetimeFigureOut">
               <a:rPr lang="en-GB" smtClean="0"/>
-              <a:t>11/01/2018</a:t>
+              <a:t>19/02/2018</a:t>
             </a:fld>
             <a:endParaRPr lang="en-GB"/>
           </a:p>
@@ -3585,7 +3755,7 @@
           <a:p>
             <a:fld id="{54E4F3F3-8BA8-4CF3-B83F-09C4E1009947}" type="datetimeFigureOut">
               <a:rPr lang="en-GB" smtClean="0"/>
-              <a:t>11/01/2018</a:t>
+              <a:t>19/02/2018</a:t>
             </a:fld>
             <a:endParaRPr lang="en-GB"/>
           </a:p>
@@ -3765,7 +3935,7 @@
           <a:p>
             <a:fld id="{54E4F3F3-8BA8-4CF3-B83F-09C4E1009947}" type="datetimeFigureOut">
               <a:rPr lang="en-GB" smtClean="0"/>
-              <a:t>11/01/2018</a:t>
+              <a:t>19/02/2018</a:t>
             </a:fld>
             <a:endParaRPr lang="en-GB"/>
           </a:p>
@@ -3935,7 +4105,7 @@
           <a:p>
             <a:fld id="{54E4F3F3-8BA8-4CF3-B83F-09C4E1009947}" type="datetimeFigureOut">
               <a:rPr lang="en-GB" smtClean="0"/>
-              <a:t>11/01/2018</a:t>
+              <a:t>19/02/2018</a:t>
             </a:fld>
             <a:endParaRPr lang="en-GB"/>
           </a:p>
@@ -4181,7 +4351,7 @@
           <a:p>
             <a:fld id="{54E4F3F3-8BA8-4CF3-B83F-09C4E1009947}" type="datetimeFigureOut">
               <a:rPr lang="en-GB" smtClean="0"/>
-              <a:t>11/01/2018</a:t>
+              <a:t>19/02/2018</a:t>
             </a:fld>
             <a:endParaRPr lang="en-GB"/>
           </a:p>
@@ -4413,7 +4583,7 @@
           <a:p>
             <a:fld id="{54E4F3F3-8BA8-4CF3-B83F-09C4E1009947}" type="datetimeFigureOut">
               <a:rPr lang="en-GB" smtClean="0"/>
-              <a:t>11/01/2018</a:t>
+              <a:t>19/02/2018</a:t>
             </a:fld>
             <a:endParaRPr lang="en-GB"/>
           </a:p>
@@ -4780,7 +4950,7 @@
           <a:p>
             <a:fld id="{54E4F3F3-8BA8-4CF3-B83F-09C4E1009947}" type="datetimeFigureOut">
               <a:rPr lang="en-GB" smtClean="0"/>
-              <a:t>11/01/2018</a:t>
+              <a:t>19/02/2018</a:t>
             </a:fld>
             <a:endParaRPr lang="en-GB"/>
           </a:p>
@@ -4898,7 +5068,7 @@
           <a:p>
             <a:fld id="{54E4F3F3-8BA8-4CF3-B83F-09C4E1009947}" type="datetimeFigureOut">
               <a:rPr lang="en-GB" smtClean="0"/>
-              <a:t>11/01/2018</a:t>
+              <a:t>19/02/2018</a:t>
             </a:fld>
             <a:endParaRPr lang="en-GB"/>
           </a:p>
@@ -4993,7 +5163,7 @@
           <a:p>
             <a:fld id="{54E4F3F3-8BA8-4CF3-B83F-09C4E1009947}" type="datetimeFigureOut">
               <a:rPr lang="en-GB" smtClean="0"/>
-              <a:t>11/01/2018</a:t>
+              <a:t>19/02/2018</a:t>
             </a:fld>
             <a:endParaRPr lang="en-GB"/>
           </a:p>
@@ -5270,7 +5440,7 @@
           <a:p>
             <a:fld id="{54E4F3F3-8BA8-4CF3-B83F-09C4E1009947}" type="datetimeFigureOut">
               <a:rPr lang="en-GB" smtClean="0"/>
-              <a:t>11/01/2018</a:t>
+              <a:t>19/02/2018</a:t>
             </a:fld>
             <a:endParaRPr lang="en-GB"/>
           </a:p>
@@ -5523,7 +5693,7 @@
           <a:p>
             <a:fld id="{54E4F3F3-8BA8-4CF3-B83F-09C4E1009947}" type="datetimeFigureOut">
               <a:rPr lang="en-GB" smtClean="0"/>
-              <a:t>11/01/2018</a:t>
+              <a:t>19/02/2018</a:t>
             </a:fld>
             <a:endParaRPr lang="en-GB"/>
           </a:p>
@@ -5736,7 +5906,7 @@
           <a:p>
             <a:fld id="{54E4F3F3-8BA8-4CF3-B83F-09C4E1009947}" type="datetimeFigureOut">
               <a:rPr lang="en-GB" smtClean="0"/>
-              <a:t>11/01/2018</a:t>
+              <a:t>19/02/2018</a:t>
             </a:fld>
             <a:endParaRPr lang="en-GB"/>
           </a:p>
@@ -6167,6 +6337,1392 @@
     <p:extLst>
       <p:ext uri="{BB962C8B-B14F-4D97-AF65-F5344CB8AC3E}">
         <p14:creationId xmlns:p14="http://schemas.microsoft.com/office/powerpoint/2010/main" val="1103618130"/>
+      </p:ext>
+    </p:extLst>
+  </p:cSld>
+  <p:clrMapOvr>
+    <a:masterClrMapping/>
+  </p:clrMapOvr>
+</p:sld>
+</file>
+
+<file path=ppt/slides/slide2.xml><?xml version="1.0" encoding="utf-8"?>
+<p:sld xmlns:a="http://schemas.openxmlformats.org/drawingml/2006/main" xmlns:r="http://schemas.openxmlformats.org/officeDocument/2006/relationships" xmlns:p="http://schemas.openxmlformats.org/presentationml/2006/main">
+  <p:cSld>
+    <p:spTree>
+      <p:nvGrpSpPr>
+        <p:cNvPr id="1" name=""/>
+        <p:cNvGrpSpPr/>
+        <p:nvPr/>
+      </p:nvGrpSpPr>
+      <p:grpSpPr>
+        <a:xfrm>
+          <a:off x="0" y="0"/>
+          <a:ext cx="0" cy="0"/>
+          <a:chOff x="0" y="0"/>
+          <a:chExt cx="0" cy="0"/>
+        </a:xfrm>
+      </p:grpSpPr>
+      <p:sp>
+        <p:nvSpPr>
+          <p:cNvPr id="6" name="Freeform 5"/>
+          <p:cNvSpPr/>
+          <p:nvPr/>
+        </p:nvSpPr>
+        <p:spPr>
+          <a:xfrm>
+            <a:off x="1437250" y="2757623"/>
+            <a:ext cx="2615101" cy="1342754"/>
+          </a:xfrm>
+          <a:custGeom>
+            <a:avLst/>
+            <a:gdLst>
+              <a:gd name="connsiteX0" fmla="*/ 0 w 2615101"/>
+              <a:gd name="connsiteY0" fmla="*/ 335689 h 1342754"/>
+              <a:gd name="connsiteX1" fmla="*/ 2279413 w 2615101"/>
+              <a:gd name="connsiteY1" fmla="*/ 335689 h 1342754"/>
+              <a:gd name="connsiteX2" fmla="*/ 2279413 w 2615101"/>
+              <a:gd name="connsiteY2" fmla="*/ 1342754 h 1342754"/>
+              <a:gd name="connsiteX3" fmla="*/ 0 w 2615101"/>
+              <a:gd name="connsiteY3" fmla="*/ 1342754 h 1342754"/>
+              <a:gd name="connsiteX4" fmla="*/ 0 w 2615101"/>
+              <a:gd name="connsiteY4" fmla="*/ 335689 h 1342754"/>
+              <a:gd name="connsiteX0" fmla="*/ 2279413 w 2615101"/>
+              <a:gd name="connsiteY0" fmla="*/ 335689 h 1342754"/>
+              <a:gd name="connsiteX1" fmla="*/ 2615101 w 2615101"/>
+              <a:gd name="connsiteY1" fmla="*/ 0 h 1342754"/>
+              <a:gd name="connsiteX2" fmla="*/ 2615101 w 2615101"/>
+              <a:gd name="connsiteY2" fmla="*/ 1007066 h 1342754"/>
+              <a:gd name="connsiteX3" fmla="*/ 2279413 w 2615101"/>
+              <a:gd name="connsiteY3" fmla="*/ 1342754 h 1342754"/>
+              <a:gd name="connsiteX4" fmla="*/ 2279413 w 2615101"/>
+              <a:gd name="connsiteY4" fmla="*/ 335689 h 1342754"/>
+              <a:gd name="connsiteX0" fmla="*/ 0 w 2615101"/>
+              <a:gd name="connsiteY0" fmla="*/ 335689 h 1342754"/>
+              <a:gd name="connsiteX1" fmla="*/ 335689 w 2615101"/>
+              <a:gd name="connsiteY1" fmla="*/ 0 h 1342754"/>
+              <a:gd name="connsiteX2" fmla="*/ 2615101 w 2615101"/>
+              <a:gd name="connsiteY2" fmla="*/ 0 h 1342754"/>
+              <a:gd name="connsiteX3" fmla="*/ 2279413 w 2615101"/>
+              <a:gd name="connsiteY3" fmla="*/ 335689 h 1342754"/>
+              <a:gd name="connsiteX4" fmla="*/ 0 w 2615101"/>
+              <a:gd name="connsiteY4" fmla="*/ 335689 h 1342754"/>
+              <a:gd name="connsiteX0" fmla="*/ 0 w 2615101"/>
+              <a:gd name="connsiteY0" fmla="*/ 335689 h 1342754"/>
+              <a:gd name="connsiteX1" fmla="*/ 335689 w 2615101"/>
+              <a:gd name="connsiteY1" fmla="*/ 0 h 1342754"/>
+              <a:gd name="connsiteX2" fmla="*/ 2615101 w 2615101"/>
+              <a:gd name="connsiteY2" fmla="*/ 0 h 1342754"/>
+              <a:gd name="connsiteX3" fmla="*/ 2615101 w 2615101"/>
+              <a:gd name="connsiteY3" fmla="*/ 1007066 h 1342754"/>
+              <a:gd name="connsiteX4" fmla="*/ 2279413 w 2615101"/>
+              <a:gd name="connsiteY4" fmla="*/ 1342754 h 1342754"/>
+              <a:gd name="connsiteX5" fmla="*/ 0 w 2615101"/>
+              <a:gd name="connsiteY5" fmla="*/ 1342754 h 1342754"/>
+              <a:gd name="connsiteX6" fmla="*/ 0 w 2615101"/>
+              <a:gd name="connsiteY6" fmla="*/ 335689 h 1342754"/>
+              <a:gd name="connsiteX7" fmla="*/ 0 w 2615101"/>
+              <a:gd name="connsiteY7" fmla="*/ 335689 h 1342754"/>
+              <a:gd name="connsiteX8" fmla="*/ 2279413 w 2615101"/>
+              <a:gd name="connsiteY8" fmla="*/ 335689 h 1342754"/>
+              <a:gd name="connsiteX9" fmla="*/ 2615101 w 2615101"/>
+              <a:gd name="connsiteY9" fmla="*/ 0 h 1342754"/>
+              <a:gd name="connsiteX10" fmla="*/ 2279413 w 2615101"/>
+              <a:gd name="connsiteY10" fmla="*/ 335689 h 1342754"/>
+              <a:gd name="connsiteX11" fmla="*/ 2279413 w 2615101"/>
+              <a:gd name="connsiteY11" fmla="*/ 1342754 h 1342754"/>
+            </a:gdLst>
+            <a:ahLst/>
+            <a:cxnLst>
+              <a:cxn ang="0">
+                <a:pos x="connsiteX0" y="connsiteY0"/>
+              </a:cxn>
+              <a:cxn ang="0">
+                <a:pos x="connsiteX1" y="connsiteY1"/>
+              </a:cxn>
+              <a:cxn ang="0">
+                <a:pos x="connsiteX2" y="connsiteY2"/>
+              </a:cxn>
+              <a:cxn ang="0">
+                <a:pos x="connsiteX3" y="connsiteY3"/>
+              </a:cxn>
+              <a:cxn ang="0">
+                <a:pos x="connsiteX4" y="connsiteY4"/>
+              </a:cxn>
+              <a:cxn ang="0">
+                <a:pos x="connsiteX5" y="connsiteY5"/>
+              </a:cxn>
+              <a:cxn ang="0">
+                <a:pos x="connsiteX6" y="connsiteY6"/>
+              </a:cxn>
+              <a:cxn ang="0">
+                <a:pos x="connsiteX7" y="connsiteY7"/>
+              </a:cxn>
+              <a:cxn ang="0">
+                <a:pos x="connsiteX8" y="connsiteY8"/>
+              </a:cxn>
+              <a:cxn ang="0">
+                <a:pos x="connsiteX9" y="connsiteY9"/>
+              </a:cxn>
+              <a:cxn ang="0">
+                <a:pos x="connsiteX10" y="connsiteY10"/>
+              </a:cxn>
+              <a:cxn ang="0">
+                <a:pos x="connsiteX11" y="connsiteY11"/>
+              </a:cxn>
+            </a:cxnLst>
+            <a:rect l="l" t="t" r="r" b="b"/>
+            <a:pathLst>
+              <a:path w="2615101" h="1342754" stroke="0" extrusionOk="0">
+                <a:moveTo>
+                  <a:pt x="0" y="335689"/>
+                </a:moveTo>
+                <a:lnTo>
+                  <a:pt x="2279413" y="335689"/>
+                </a:lnTo>
+                <a:lnTo>
+                  <a:pt x="2279413" y="1342754"/>
+                </a:lnTo>
+                <a:lnTo>
+                  <a:pt x="0" y="1342754"/>
+                </a:lnTo>
+                <a:lnTo>
+                  <a:pt x="0" y="335689"/>
+                </a:lnTo>
+                <a:close/>
+              </a:path>
+              <a:path w="2615101" h="1342754" fill="darkenLess" stroke="0" extrusionOk="0">
+                <a:moveTo>
+                  <a:pt x="2279413" y="335689"/>
+                </a:moveTo>
+                <a:lnTo>
+                  <a:pt x="2615101" y="0"/>
+                </a:lnTo>
+                <a:lnTo>
+                  <a:pt x="2615101" y="1007066"/>
+                </a:lnTo>
+                <a:lnTo>
+                  <a:pt x="2279413" y="1342754"/>
+                </a:lnTo>
+                <a:lnTo>
+                  <a:pt x="2279413" y="335689"/>
+                </a:lnTo>
+                <a:close/>
+              </a:path>
+              <a:path w="2615101" h="1342754" fill="lightenLess" stroke="0" extrusionOk="0">
+                <a:moveTo>
+                  <a:pt x="0" y="335689"/>
+                </a:moveTo>
+                <a:lnTo>
+                  <a:pt x="335689" y="0"/>
+                </a:lnTo>
+                <a:lnTo>
+                  <a:pt x="2615101" y="0"/>
+                </a:lnTo>
+                <a:lnTo>
+                  <a:pt x="2279413" y="335689"/>
+                </a:lnTo>
+                <a:lnTo>
+                  <a:pt x="0" y="335689"/>
+                </a:lnTo>
+                <a:close/>
+              </a:path>
+              <a:path w="2615101" h="1342754" fill="none" extrusionOk="0">
+                <a:moveTo>
+                  <a:pt x="0" y="335689"/>
+                </a:moveTo>
+                <a:lnTo>
+                  <a:pt x="335689" y="0"/>
+                </a:lnTo>
+                <a:lnTo>
+                  <a:pt x="2615101" y="0"/>
+                </a:lnTo>
+                <a:lnTo>
+                  <a:pt x="2615101" y="1007066"/>
+                </a:lnTo>
+                <a:lnTo>
+                  <a:pt x="2279413" y="1342754"/>
+                </a:lnTo>
+                <a:lnTo>
+                  <a:pt x="0" y="1342754"/>
+                </a:lnTo>
+                <a:lnTo>
+                  <a:pt x="0" y="335689"/>
+                </a:lnTo>
+                <a:close/>
+                <a:moveTo>
+                  <a:pt x="0" y="335689"/>
+                </a:moveTo>
+                <a:lnTo>
+                  <a:pt x="2279413" y="335689"/>
+                </a:lnTo>
+                <a:lnTo>
+                  <a:pt x="2615101" y="0"/>
+                </a:lnTo>
+                <a:moveTo>
+                  <a:pt x="2279413" y="335689"/>
+                </a:moveTo>
+                <a:lnTo>
+                  <a:pt x="2279413" y="1342754"/>
+                </a:lnTo>
+              </a:path>
+            </a:pathLst>
+          </a:custGeom>
+        </p:spPr>
+        <p:style>
+          <a:lnRef idx="2">
+            <a:schemeClr val="lt1">
+              <a:hueOff val="0"/>
+              <a:satOff val="0"/>
+              <a:lumOff val="0"/>
+              <a:alphaOff val="0"/>
+            </a:schemeClr>
+          </a:lnRef>
+          <a:fillRef idx="1">
+            <a:schemeClr val="accent5">
+              <a:hueOff val="0"/>
+              <a:satOff val="0"/>
+              <a:lumOff val="0"/>
+              <a:alphaOff val="0"/>
+            </a:schemeClr>
+          </a:fillRef>
+          <a:effectRef idx="0">
+            <a:schemeClr val="accent5">
+              <a:hueOff val="0"/>
+              <a:satOff val="0"/>
+              <a:lumOff val="0"/>
+              <a:alphaOff val="0"/>
+            </a:schemeClr>
+          </a:effectRef>
+          <a:fontRef idx="minor">
+            <a:schemeClr val="lt1"/>
+          </a:fontRef>
+        </p:style>
+        <p:txBody>
+          <a:bodyPr spcFirstLastPara="0" vert="horz" wrap="square" lIns="87630" tIns="423319" rIns="423318" bIns="87630" numCol="1" spcCol="1270" anchor="ctr" anchorCtr="0">
+            <a:noAutofit/>
+          </a:bodyPr>
+          <a:lstStyle/>
+          <a:p>
+            <a:pPr lvl="0" algn="ctr" defTabSz="1022350">
+              <a:lnSpc>
+                <a:spcPct val="90000"/>
+              </a:lnSpc>
+              <a:spcBef>
+                <a:spcPct val="0"/>
+              </a:spcBef>
+              <a:spcAft>
+                <a:spcPct val="35000"/>
+              </a:spcAft>
+            </a:pPr>
+            <a:r>
+              <a:rPr lang="en-US" sz="2300" kern="1200" dirty="0" smtClean="0"/>
+              <a:t>Run on-premises</a:t>
+            </a:r>
+            <a:endParaRPr lang="en-US" sz="2300" kern="1200" dirty="0"/>
+          </a:p>
+        </p:txBody>
+      </p:sp>
+      <p:sp>
+        <p:nvSpPr>
+          <p:cNvPr id="7" name="Freeform 6"/>
+          <p:cNvSpPr/>
+          <p:nvPr/>
+        </p:nvSpPr>
+        <p:spPr>
+          <a:xfrm>
+            <a:off x="4232863" y="3205166"/>
+            <a:ext cx="382683" cy="447667"/>
+          </a:xfrm>
+          <a:custGeom>
+            <a:avLst/>
+            <a:gdLst>
+              <a:gd name="connsiteX0" fmla="*/ 0 w 382683"/>
+              <a:gd name="connsiteY0" fmla="*/ 89533 h 447667"/>
+              <a:gd name="connsiteX1" fmla="*/ 191342 w 382683"/>
+              <a:gd name="connsiteY1" fmla="*/ 89533 h 447667"/>
+              <a:gd name="connsiteX2" fmla="*/ 191342 w 382683"/>
+              <a:gd name="connsiteY2" fmla="*/ 0 h 447667"/>
+              <a:gd name="connsiteX3" fmla="*/ 382683 w 382683"/>
+              <a:gd name="connsiteY3" fmla="*/ 223834 h 447667"/>
+              <a:gd name="connsiteX4" fmla="*/ 191342 w 382683"/>
+              <a:gd name="connsiteY4" fmla="*/ 447667 h 447667"/>
+              <a:gd name="connsiteX5" fmla="*/ 191342 w 382683"/>
+              <a:gd name="connsiteY5" fmla="*/ 358134 h 447667"/>
+              <a:gd name="connsiteX6" fmla="*/ 0 w 382683"/>
+              <a:gd name="connsiteY6" fmla="*/ 358134 h 447667"/>
+              <a:gd name="connsiteX7" fmla="*/ 0 w 382683"/>
+              <a:gd name="connsiteY7" fmla="*/ 89533 h 447667"/>
+            </a:gdLst>
+            <a:ahLst/>
+            <a:cxnLst>
+              <a:cxn ang="0">
+                <a:pos x="connsiteX0" y="connsiteY0"/>
+              </a:cxn>
+              <a:cxn ang="0">
+                <a:pos x="connsiteX1" y="connsiteY1"/>
+              </a:cxn>
+              <a:cxn ang="0">
+                <a:pos x="connsiteX2" y="connsiteY2"/>
+              </a:cxn>
+              <a:cxn ang="0">
+                <a:pos x="connsiteX3" y="connsiteY3"/>
+              </a:cxn>
+              <a:cxn ang="0">
+                <a:pos x="connsiteX4" y="connsiteY4"/>
+              </a:cxn>
+              <a:cxn ang="0">
+                <a:pos x="connsiteX5" y="connsiteY5"/>
+              </a:cxn>
+              <a:cxn ang="0">
+                <a:pos x="connsiteX6" y="connsiteY6"/>
+              </a:cxn>
+              <a:cxn ang="0">
+                <a:pos x="connsiteX7" y="connsiteY7"/>
+              </a:cxn>
+            </a:cxnLst>
+            <a:rect l="l" t="t" r="r" b="b"/>
+            <a:pathLst>
+              <a:path w="382683" h="447667">
+                <a:moveTo>
+                  <a:pt x="0" y="89533"/>
+                </a:moveTo>
+                <a:lnTo>
+                  <a:pt x="191342" y="89533"/>
+                </a:lnTo>
+                <a:lnTo>
+                  <a:pt x="191342" y="0"/>
+                </a:lnTo>
+                <a:lnTo>
+                  <a:pt x="382683" y="223834"/>
+                </a:lnTo>
+                <a:lnTo>
+                  <a:pt x="191342" y="447667"/>
+                </a:lnTo>
+                <a:lnTo>
+                  <a:pt x="191342" y="358134"/>
+                </a:lnTo>
+                <a:lnTo>
+                  <a:pt x="0" y="358134"/>
+                </a:lnTo>
+                <a:lnTo>
+                  <a:pt x="0" y="89533"/>
+                </a:lnTo>
+                <a:close/>
+              </a:path>
+            </a:pathLst>
+          </a:custGeom>
+        </p:spPr>
+        <p:style>
+          <a:lnRef idx="0">
+            <a:schemeClr val="accent5">
+              <a:tint val="60000"/>
+              <a:hueOff val="0"/>
+              <a:satOff val="0"/>
+              <a:lumOff val="0"/>
+              <a:alphaOff val="0"/>
+            </a:schemeClr>
+          </a:lnRef>
+          <a:fillRef idx="1">
+            <a:schemeClr val="accent5">
+              <a:tint val="60000"/>
+              <a:hueOff val="0"/>
+              <a:satOff val="0"/>
+              <a:lumOff val="0"/>
+              <a:alphaOff val="0"/>
+            </a:schemeClr>
+          </a:fillRef>
+          <a:effectRef idx="0">
+            <a:schemeClr val="accent5">
+              <a:tint val="60000"/>
+              <a:hueOff val="0"/>
+              <a:satOff val="0"/>
+              <a:lumOff val="0"/>
+              <a:alphaOff val="0"/>
+            </a:schemeClr>
+          </a:effectRef>
+          <a:fontRef idx="minor">
+            <a:schemeClr val="lt1"/>
+          </a:fontRef>
+        </p:style>
+        <p:txBody>
+          <a:bodyPr spcFirstLastPara="0" vert="horz" wrap="square" lIns="0" tIns="89533" rIns="114805" bIns="89533" numCol="1" spcCol="1270" anchor="ctr" anchorCtr="0">
+            <a:noAutofit/>
+          </a:bodyPr>
+          <a:lstStyle/>
+          <a:p>
+            <a:pPr lvl="0" algn="ctr" defTabSz="755650">
+              <a:lnSpc>
+                <a:spcPct val="90000"/>
+              </a:lnSpc>
+              <a:spcBef>
+                <a:spcPct val="0"/>
+              </a:spcBef>
+              <a:spcAft>
+                <a:spcPct val="35000"/>
+              </a:spcAft>
+            </a:pPr>
+            <a:endParaRPr lang="en-US" sz="1700" kern="1200"/>
+          </a:p>
+        </p:txBody>
+      </p:sp>
+      <p:sp>
+        <p:nvSpPr>
+          <p:cNvPr id="9" name="Freeform 8"/>
+          <p:cNvSpPr/>
+          <p:nvPr/>
+        </p:nvSpPr>
+        <p:spPr>
+          <a:xfrm>
+            <a:off x="4774396" y="1862412"/>
+            <a:ext cx="2615101" cy="1342754"/>
+          </a:xfrm>
+          <a:custGeom>
+            <a:avLst/>
+            <a:gdLst>
+              <a:gd name="connsiteX0" fmla="*/ 0 w 2615101"/>
+              <a:gd name="connsiteY0" fmla="*/ 335689 h 1342754"/>
+              <a:gd name="connsiteX1" fmla="*/ 2279413 w 2615101"/>
+              <a:gd name="connsiteY1" fmla="*/ 335689 h 1342754"/>
+              <a:gd name="connsiteX2" fmla="*/ 2279413 w 2615101"/>
+              <a:gd name="connsiteY2" fmla="*/ 1342754 h 1342754"/>
+              <a:gd name="connsiteX3" fmla="*/ 0 w 2615101"/>
+              <a:gd name="connsiteY3" fmla="*/ 1342754 h 1342754"/>
+              <a:gd name="connsiteX4" fmla="*/ 0 w 2615101"/>
+              <a:gd name="connsiteY4" fmla="*/ 335689 h 1342754"/>
+              <a:gd name="connsiteX0" fmla="*/ 2279413 w 2615101"/>
+              <a:gd name="connsiteY0" fmla="*/ 335689 h 1342754"/>
+              <a:gd name="connsiteX1" fmla="*/ 2615101 w 2615101"/>
+              <a:gd name="connsiteY1" fmla="*/ 0 h 1342754"/>
+              <a:gd name="connsiteX2" fmla="*/ 2615101 w 2615101"/>
+              <a:gd name="connsiteY2" fmla="*/ 1007066 h 1342754"/>
+              <a:gd name="connsiteX3" fmla="*/ 2279413 w 2615101"/>
+              <a:gd name="connsiteY3" fmla="*/ 1342754 h 1342754"/>
+              <a:gd name="connsiteX4" fmla="*/ 2279413 w 2615101"/>
+              <a:gd name="connsiteY4" fmla="*/ 335689 h 1342754"/>
+              <a:gd name="connsiteX0" fmla="*/ 0 w 2615101"/>
+              <a:gd name="connsiteY0" fmla="*/ 335689 h 1342754"/>
+              <a:gd name="connsiteX1" fmla="*/ 335689 w 2615101"/>
+              <a:gd name="connsiteY1" fmla="*/ 0 h 1342754"/>
+              <a:gd name="connsiteX2" fmla="*/ 2615101 w 2615101"/>
+              <a:gd name="connsiteY2" fmla="*/ 0 h 1342754"/>
+              <a:gd name="connsiteX3" fmla="*/ 2279413 w 2615101"/>
+              <a:gd name="connsiteY3" fmla="*/ 335689 h 1342754"/>
+              <a:gd name="connsiteX4" fmla="*/ 0 w 2615101"/>
+              <a:gd name="connsiteY4" fmla="*/ 335689 h 1342754"/>
+              <a:gd name="connsiteX0" fmla="*/ 0 w 2615101"/>
+              <a:gd name="connsiteY0" fmla="*/ 335689 h 1342754"/>
+              <a:gd name="connsiteX1" fmla="*/ 335689 w 2615101"/>
+              <a:gd name="connsiteY1" fmla="*/ 0 h 1342754"/>
+              <a:gd name="connsiteX2" fmla="*/ 2615101 w 2615101"/>
+              <a:gd name="connsiteY2" fmla="*/ 0 h 1342754"/>
+              <a:gd name="connsiteX3" fmla="*/ 2615101 w 2615101"/>
+              <a:gd name="connsiteY3" fmla="*/ 1007066 h 1342754"/>
+              <a:gd name="connsiteX4" fmla="*/ 2279413 w 2615101"/>
+              <a:gd name="connsiteY4" fmla="*/ 1342754 h 1342754"/>
+              <a:gd name="connsiteX5" fmla="*/ 0 w 2615101"/>
+              <a:gd name="connsiteY5" fmla="*/ 1342754 h 1342754"/>
+              <a:gd name="connsiteX6" fmla="*/ 0 w 2615101"/>
+              <a:gd name="connsiteY6" fmla="*/ 335689 h 1342754"/>
+              <a:gd name="connsiteX7" fmla="*/ 0 w 2615101"/>
+              <a:gd name="connsiteY7" fmla="*/ 335689 h 1342754"/>
+              <a:gd name="connsiteX8" fmla="*/ 2279413 w 2615101"/>
+              <a:gd name="connsiteY8" fmla="*/ 335689 h 1342754"/>
+              <a:gd name="connsiteX9" fmla="*/ 2615101 w 2615101"/>
+              <a:gd name="connsiteY9" fmla="*/ 0 h 1342754"/>
+              <a:gd name="connsiteX10" fmla="*/ 2279413 w 2615101"/>
+              <a:gd name="connsiteY10" fmla="*/ 335689 h 1342754"/>
+              <a:gd name="connsiteX11" fmla="*/ 2279413 w 2615101"/>
+              <a:gd name="connsiteY11" fmla="*/ 1342754 h 1342754"/>
+            </a:gdLst>
+            <a:ahLst/>
+            <a:cxnLst>
+              <a:cxn ang="0">
+                <a:pos x="connsiteX0" y="connsiteY0"/>
+              </a:cxn>
+              <a:cxn ang="0">
+                <a:pos x="connsiteX1" y="connsiteY1"/>
+              </a:cxn>
+              <a:cxn ang="0">
+                <a:pos x="connsiteX2" y="connsiteY2"/>
+              </a:cxn>
+              <a:cxn ang="0">
+                <a:pos x="connsiteX3" y="connsiteY3"/>
+              </a:cxn>
+              <a:cxn ang="0">
+                <a:pos x="connsiteX4" y="connsiteY4"/>
+              </a:cxn>
+              <a:cxn ang="0">
+                <a:pos x="connsiteX5" y="connsiteY5"/>
+              </a:cxn>
+              <a:cxn ang="0">
+                <a:pos x="connsiteX6" y="connsiteY6"/>
+              </a:cxn>
+              <a:cxn ang="0">
+                <a:pos x="connsiteX7" y="connsiteY7"/>
+              </a:cxn>
+              <a:cxn ang="0">
+                <a:pos x="connsiteX8" y="connsiteY8"/>
+              </a:cxn>
+              <a:cxn ang="0">
+                <a:pos x="connsiteX9" y="connsiteY9"/>
+              </a:cxn>
+              <a:cxn ang="0">
+                <a:pos x="connsiteX10" y="connsiteY10"/>
+              </a:cxn>
+              <a:cxn ang="0">
+                <a:pos x="connsiteX11" y="connsiteY11"/>
+              </a:cxn>
+            </a:cxnLst>
+            <a:rect l="l" t="t" r="r" b="b"/>
+            <a:pathLst>
+              <a:path w="2615101" h="1342754" stroke="0" extrusionOk="0">
+                <a:moveTo>
+                  <a:pt x="0" y="335689"/>
+                </a:moveTo>
+                <a:lnTo>
+                  <a:pt x="2279413" y="335689"/>
+                </a:lnTo>
+                <a:lnTo>
+                  <a:pt x="2279413" y="1342754"/>
+                </a:lnTo>
+                <a:lnTo>
+                  <a:pt x="0" y="1342754"/>
+                </a:lnTo>
+                <a:lnTo>
+                  <a:pt x="0" y="335689"/>
+                </a:lnTo>
+                <a:close/>
+              </a:path>
+              <a:path w="2615101" h="1342754" fill="darkenLess" stroke="0" extrusionOk="0">
+                <a:moveTo>
+                  <a:pt x="2279413" y="335689"/>
+                </a:moveTo>
+                <a:lnTo>
+                  <a:pt x="2615101" y="0"/>
+                </a:lnTo>
+                <a:lnTo>
+                  <a:pt x="2615101" y="1007066"/>
+                </a:lnTo>
+                <a:lnTo>
+                  <a:pt x="2279413" y="1342754"/>
+                </a:lnTo>
+                <a:lnTo>
+                  <a:pt x="2279413" y="335689"/>
+                </a:lnTo>
+                <a:close/>
+              </a:path>
+              <a:path w="2615101" h="1342754" fill="lightenLess" stroke="0" extrusionOk="0">
+                <a:moveTo>
+                  <a:pt x="0" y="335689"/>
+                </a:moveTo>
+                <a:lnTo>
+                  <a:pt x="335689" y="0"/>
+                </a:lnTo>
+                <a:lnTo>
+                  <a:pt x="2615101" y="0"/>
+                </a:lnTo>
+                <a:lnTo>
+                  <a:pt x="2279413" y="335689"/>
+                </a:lnTo>
+                <a:lnTo>
+                  <a:pt x="0" y="335689"/>
+                </a:lnTo>
+                <a:close/>
+              </a:path>
+              <a:path w="2615101" h="1342754" fill="none" extrusionOk="0">
+                <a:moveTo>
+                  <a:pt x="0" y="335689"/>
+                </a:moveTo>
+                <a:lnTo>
+                  <a:pt x="335689" y="0"/>
+                </a:lnTo>
+                <a:lnTo>
+                  <a:pt x="2615101" y="0"/>
+                </a:lnTo>
+                <a:lnTo>
+                  <a:pt x="2615101" y="1007066"/>
+                </a:lnTo>
+                <a:lnTo>
+                  <a:pt x="2279413" y="1342754"/>
+                </a:lnTo>
+                <a:lnTo>
+                  <a:pt x="0" y="1342754"/>
+                </a:lnTo>
+                <a:lnTo>
+                  <a:pt x="0" y="335689"/>
+                </a:lnTo>
+                <a:close/>
+                <a:moveTo>
+                  <a:pt x="0" y="335689"/>
+                </a:moveTo>
+                <a:lnTo>
+                  <a:pt x="2279413" y="335689"/>
+                </a:lnTo>
+                <a:lnTo>
+                  <a:pt x="2615101" y="0"/>
+                </a:lnTo>
+                <a:moveTo>
+                  <a:pt x="2279413" y="335689"/>
+                </a:moveTo>
+                <a:lnTo>
+                  <a:pt x="2279413" y="1342754"/>
+                </a:lnTo>
+              </a:path>
+            </a:pathLst>
+          </a:custGeom>
+        </p:spPr>
+        <p:style>
+          <a:lnRef idx="2">
+            <a:schemeClr val="lt1">
+              <a:hueOff val="0"/>
+              <a:satOff val="0"/>
+              <a:lumOff val="0"/>
+              <a:alphaOff val="0"/>
+            </a:schemeClr>
+          </a:lnRef>
+          <a:fillRef idx="1">
+            <a:schemeClr val="accent5">
+              <a:hueOff val="0"/>
+              <a:satOff val="0"/>
+              <a:lumOff val="0"/>
+              <a:alphaOff val="0"/>
+            </a:schemeClr>
+          </a:fillRef>
+          <a:effectRef idx="0">
+            <a:schemeClr val="accent5">
+              <a:hueOff val="0"/>
+              <a:satOff val="0"/>
+              <a:lumOff val="0"/>
+              <a:alphaOff val="0"/>
+            </a:schemeClr>
+          </a:effectRef>
+          <a:fontRef idx="minor">
+            <a:schemeClr val="lt1"/>
+          </a:fontRef>
+        </p:style>
+        <p:txBody>
+          <a:bodyPr spcFirstLastPara="0" vert="horz" wrap="square" lIns="83820" tIns="419509" rIns="419508" bIns="83820" numCol="1" spcCol="1270" anchor="ctr" anchorCtr="0">
+            <a:noAutofit/>
+          </a:bodyPr>
+          <a:lstStyle/>
+          <a:p>
+            <a:pPr lvl="0" algn="ctr" defTabSz="977900">
+              <a:lnSpc>
+                <a:spcPct val="90000"/>
+              </a:lnSpc>
+              <a:spcBef>
+                <a:spcPct val="0"/>
+              </a:spcBef>
+              <a:spcAft>
+                <a:spcPct val="35000"/>
+              </a:spcAft>
+            </a:pPr>
+            <a:r>
+              <a:rPr lang="en-US" sz="2300" kern="1200" dirty="0" err="1" smtClean="0"/>
+              <a:t>microservices</a:t>
+            </a:r>
+            <a:endParaRPr lang="en-US" sz="2300" kern="1200" dirty="0"/>
+          </a:p>
+        </p:txBody>
+      </p:sp>
+      <p:sp>
+        <p:nvSpPr>
+          <p:cNvPr id="10" name="Freeform 9"/>
+          <p:cNvSpPr/>
+          <p:nvPr/>
+        </p:nvSpPr>
+        <p:spPr>
+          <a:xfrm>
+            <a:off x="7570009" y="3205166"/>
+            <a:ext cx="382683" cy="447667"/>
+          </a:xfrm>
+          <a:custGeom>
+            <a:avLst/>
+            <a:gdLst>
+              <a:gd name="connsiteX0" fmla="*/ 0 w 382683"/>
+              <a:gd name="connsiteY0" fmla="*/ 89533 h 447667"/>
+              <a:gd name="connsiteX1" fmla="*/ 191342 w 382683"/>
+              <a:gd name="connsiteY1" fmla="*/ 89533 h 447667"/>
+              <a:gd name="connsiteX2" fmla="*/ 191342 w 382683"/>
+              <a:gd name="connsiteY2" fmla="*/ 0 h 447667"/>
+              <a:gd name="connsiteX3" fmla="*/ 382683 w 382683"/>
+              <a:gd name="connsiteY3" fmla="*/ 223834 h 447667"/>
+              <a:gd name="connsiteX4" fmla="*/ 191342 w 382683"/>
+              <a:gd name="connsiteY4" fmla="*/ 447667 h 447667"/>
+              <a:gd name="connsiteX5" fmla="*/ 191342 w 382683"/>
+              <a:gd name="connsiteY5" fmla="*/ 358134 h 447667"/>
+              <a:gd name="connsiteX6" fmla="*/ 0 w 382683"/>
+              <a:gd name="connsiteY6" fmla="*/ 358134 h 447667"/>
+              <a:gd name="connsiteX7" fmla="*/ 0 w 382683"/>
+              <a:gd name="connsiteY7" fmla="*/ 89533 h 447667"/>
+            </a:gdLst>
+            <a:ahLst/>
+            <a:cxnLst>
+              <a:cxn ang="0">
+                <a:pos x="connsiteX0" y="connsiteY0"/>
+              </a:cxn>
+              <a:cxn ang="0">
+                <a:pos x="connsiteX1" y="connsiteY1"/>
+              </a:cxn>
+              <a:cxn ang="0">
+                <a:pos x="connsiteX2" y="connsiteY2"/>
+              </a:cxn>
+              <a:cxn ang="0">
+                <a:pos x="connsiteX3" y="connsiteY3"/>
+              </a:cxn>
+              <a:cxn ang="0">
+                <a:pos x="connsiteX4" y="connsiteY4"/>
+              </a:cxn>
+              <a:cxn ang="0">
+                <a:pos x="connsiteX5" y="connsiteY5"/>
+              </a:cxn>
+              <a:cxn ang="0">
+                <a:pos x="connsiteX6" y="connsiteY6"/>
+              </a:cxn>
+              <a:cxn ang="0">
+                <a:pos x="connsiteX7" y="connsiteY7"/>
+              </a:cxn>
+            </a:cxnLst>
+            <a:rect l="l" t="t" r="r" b="b"/>
+            <a:pathLst>
+              <a:path w="382683" h="447667">
+                <a:moveTo>
+                  <a:pt x="0" y="89533"/>
+                </a:moveTo>
+                <a:lnTo>
+                  <a:pt x="191342" y="89533"/>
+                </a:lnTo>
+                <a:lnTo>
+                  <a:pt x="191342" y="0"/>
+                </a:lnTo>
+                <a:lnTo>
+                  <a:pt x="382683" y="223834"/>
+                </a:lnTo>
+                <a:lnTo>
+                  <a:pt x="191342" y="447667"/>
+                </a:lnTo>
+                <a:lnTo>
+                  <a:pt x="191342" y="358134"/>
+                </a:lnTo>
+                <a:lnTo>
+                  <a:pt x="0" y="358134"/>
+                </a:lnTo>
+                <a:lnTo>
+                  <a:pt x="0" y="89533"/>
+                </a:lnTo>
+                <a:close/>
+              </a:path>
+            </a:pathLst>
+          </a:custGeom>
+        </p:spPr>
+        <p:style>
+          <a:lnRef idx="0">
+            <a:schemeClr val="accent5">
+              <a:tint val="60000"/>
+              <a:hueOff val="0"/>
+              <a:satOff val="0"/>
+              <a:lumOff val="0"/>
+              <a:alphaOff val="0"/>
+            </a:schemeClr>
+          </a:lnRef>
+          <a:fillRef idx="1">
+            <a:schemeClr val="accent5">
+              <a:tint val="60000"/>
+              <a:hueOff val="0"/>
+              <a:satOff val="0"/>
+              <a:lumOff val="0"/>
+              <a:alphaOff val="0"/>
+            </a:schemeClr>
+          </a:fillRef>
+          <a:effectRef idx="0">
+            <a:schemeClr val="accent5">
+              <a:tint val="60000"/>
+              <a:hueOff val="0"/>
+              <a:satOff val="0"/>
+              <a:lumOff val="0"/>
+              <a:alphaOff val="0"/>
+            </a:schemeClr>
+          </a:effectRef>
+          <a:fontRef idx="minor">
+            <a:schemeClr val="lt1"/>
+          </a:fontRef>
+        </p:style>
+        <p:txBody>
+          <a:bodyPr spcFirstLastPara="0" vert="horz" wrap="square" lIns="0" tIns="89533" rIns="114805" bIns="89533" numCol="1" spcCol="1270" anchor="ctr" anchorCtr="0">
+            <a:noAutofit/>
+          </a:bodyPr>
+          <a:lstStyle/>
+          <a:p>
+            <a:pPr lvl="0" algn="ctr" defTabSz="755650">
+              <a:lnSpc>
+                <a:spcPct val="90000"/>
+              </a:lnSpc>
+              <a:spcBef>
+                <a:spcPct val="0"/>
+              </a:spcBef>
+              <a:spcAft>
+                <a:spcPct val="35000"/>
+              </a:spcAft>
+            </a:pPr>
+            <a:endParaRPr lang="en-US" sz="1700" kern="1200"/>
+          </a:p>
+        </p:txBody>
+      </p:sp>
+      <p:sp>
+        <p:nvSpPr>
+          <p:cNvPr id="11" name="Freeform 10"/>
+          <p:cNvSpPr/>
+          <p:nvPr/>
+        </p:nvSpPr>
+        <p:spPr>
+          <a:xfrm>
+            <a:off x="8111543" y="2712697"/>
+            <a:ext cx="2643207" cy="1432605"/>
+          </a:xfrm>
+          <a:custGeom>
+            <a:avLst/>
+            <a:gdLst>
+              <a:gd name="connsiteX0" fmla="*/ 3900 w 43200"/>
+              <a:gd name="connsiteY0" fmla="*/ 14370 h 43200"/>
+              <a:gd name="connsiteX1" fmla="*/ 5623 w 43200"/>
+              <a:gd name="connsiteY1" fmla="*/ 6907 h 43200"/>
+              <a:gd name="connsiteX2" fmla="*/ 14005 w 43200"/>
+              <a:gd name="connsiteY2" fmla="*/ 5202 h 43200"/>
+              <a:gd name="connsiteX3" fmla="*/ 22456 w 43200"/>
+              <a:gd name="connsiteY3" fmla="*/ 3432 h 43200"/>
+              <a:gd name="connsiteX4" fmla="*/ 25749 w 43200"/>
+              <a:gd name="connsiteY4" fmla="*/ 200 h 43200"/>
+              <a:gd name="connsiteX5" fmla="*/ 29833 w 43200"/>
+              <a:gd name="connsiteY5" fmla="*/ 2481 h 43200"/>
+              <a:gd name="connsiteX6" fmla="*/ 35463 w 43200"/>
+              <a:gd name="connsiteY6" fmla="*/ 690 h 43200"/>
+              <a:gd name="connsiteX7" fmla="*/ 38318 w 43200"/>
+              <a:gd name="connsiteY7" fmla="*/ 5576 h 43200"/>
+              <a:gd name="connsiteX8" fmla="*/ 41982 w 43200"/>
+              <a:gd name="connsiteY8" fmla="*/ 10318 h 43200"/>
+              <a:gd name="connsiteX9" fmla="*/ 41818 w 43200"/>
+              <a:gd name="connsiteY9" fmla="*/ 15460 h 43200"/>
+              <a:gd name="connsiteX10" fmla="*/ 43016 w 43200"/>
+              <a:gd name="connsiteY10" fmla="*/ 23322 h 43200"/>
+              <a:gd name="connsiteX11" fmla="*/ 37404 w 43200"/>
+              <a:gd name="connsiteY11" fmla="*/ 30204 h 43200"/>
+              <a:gd name="connsiteX12" fmla="*/ 35395 w 43200"/>
+              <a:gd name="connsiteY12" fmla="*/ 36101 h 43200"/>
+              <a:gd name="connsiteX13" fmla="*/ 28555 w 43200"/>
+              <a:gd name="connsiteY13" fmla="*/ 36815 h 43200"/>
+              <a:gd name="connsiteX14" fmla="*/ 23667 w 43200"/>
+              <a:gd name="connsiteY14" fmla="*/ 43106 h 43200"/>
+              <a:gd name="connsiteX15" fmla="*/ 16480 w 43200"/>
+              <a:gd name="connsiteY15" fmla="*/ 39266 h 43200"/>
+              <a:gd name="connsiteX16" fmla="*/ 5804 w 43200"/>
+              <a:gd name="connsiteY16" fmla="*/ 35472 h 43200"/>
+              <a:gd name="connsiteX17" fmla="*/ 1110 w 43200"/>
+              <a:gd name="connsiteY17" fmla="*/ 31250 h 43200"/>
+              <a:gd name="connsiteX18" fmla="*/ 2113 w 43200"/>
+              <a:gd name="connsiteY18" fmla="*/ 25551 h 43200"/>
+              <a:gd name="connsiteX19" fmla="*/ -5 w 43200"/>
+              <a:gd name="connsiteY19" fmla="*/ 19704 h 43200"/>
+              <a:gd name="connsiteX20" fmla="*/ 3863 w 43200"/>
+              <a:gd name="connsiteY20" fmla="*/ 14507 h 43200"/>
+              <a:gd name="connsiteX21" fmla="*/ 3900 w 43200"/>
+              <a:gd name="connsiteY21" fmla="*/ 14370 h 43200"/>
+              <a:gd name="connsiteX0" fmla="*/ 4693 w 43200"/>
+              <a:gd name="connsiteY0" fmla="*/ 26177 h 43200"/>
+              <a:gd name="connsiteX1" fmla="*/ 2160 w 43200"/>
+              <a:gd name="connsiteY1" fmla="*/ 25380 h 43200"/>
+              <a:gd name="connsiteX2" fmla="*/ 6928 w 43200"/>
+              <a:gd name="connsiteY2" fmla="*/ 34899 h 43200"/>
+              <a:gd name="connsiteX3" fmla="*/ 5820 w 43200"/>
+              <a:gd name="connsiteY3" fmla="*/ 35280 h 43200"/>
+              <a:gd name="connsiteX4" fmla="*/ 16478 w 43200"/>
+              <a:gd name="connsiteY4" fmla="*/ 39090 h 43200"/>
+              <a:gd name="connsiteX5" fmla="*/ 15810 w 43200"/>
+              <a:gd name="connsiteY5" fmla="*/ 37350 h 43200"/>
+              <a:gd name="connsiteX6" fmla="*/ 28827 w 43200"/>
+              <a:gd name="connsiteY6" fmla="*/ 34751 h 43200"/>
+              <a:gd name="connsiteX7" fmla="*/ 28560 w 43200"/>
+              <a:gd name="connsiteY7" fmla="*/ 36660 h 43200"/>
+              <a:gd name="connsiteX8" fmla="*/ 34129 w 43200"/>
+              <a:gd name="connsiteY8" fmla="*/ 22954 h 43200"/>
+              <a:gd name="connsiteX9" fmla="*/ 37380 w 43200"/>
+              <a:gd name="connsiteY9" fmla="*/ 30090 h 43200"/>
+              <a:gd name="connsiteX10" fmla="*/ 41798 w 43200"/>
+              <a:gd name="connsiteY10" fmla="*/ 15354 h 43200"/>
+              <a:gd name="connsiteX11" fmla="*/ 40350 w 43200"/>
+              <a:gd name="connsiteY11" fmla="*/ 18030 h 43200"/>
+              <a:gd name="connsiteX12" fmla="*/ 38324 w 43200"/>
+              <a:gd name="connsiteY12" fmla="*/ 5426 h 43200"/>
+              <a:gd name="connsiteX13" fmla="*/ 38400 w 43200"/>
+              <a:gd name="connsiteY13" fmla="*/ 6690 h 43200"/>
+              <a:gd name="connsiteX14" fmla="*/ 29078 w 43200"/>
+              <a:gd name="connsiteY14" fmla="*/ 3952 h 43200"/>
+              <a:gd name="connsiteX15" fmla="*/ 29820 w 43200"/>
+              <a:gd name="connsiteY15" fmla="*/ 2340 h 43200"/>
+              <a:gd name="connsiteX16" fmla="*/ 22141 w 43200"/>
+              <a:gd name="connsiteY16" fmla="*/ 4720 h 43200"/>
+              <a:gd name="connsiteX17" fmla="*/ 22500 w 43200"/>
+              <a:gd name="connsiteY17" fmla="*/ 3330 h 43200"/>
+              <a:gd name="connsiteX18" fmla="*/ 14000 w 43200"/>
+              <a:gd name="connsiteY18" fmla="*/ 5192 h 43200"/>
+              <a:gd name="connsiteX19" fmla="*/ 15300 w 43200"/>
+              <a:gd name="connsiteY19" fmla="*/ 6540 h 43200"/>
+              <a:gd name="connsiteX20" fmla="*/ 4127 w 43200"/>
+              <a:gd name="connsiteY20" fmla="*/ 15789 h 43200"/>
+              <a:gd name="connsiteX21" fmla="*/ 3900 w 43200"/>
+              <a:gd name="connsiteY21" fmla="*/ 14370 h 43200"/>
+            </a:gdLst>
+            <a:ahLst/>
+            <a:cxnLst>
+              <a:cxn ang="0">
+                <a:pos x="connsiteX0" y="connsiteY0"/>
+              </a:cxn>
+              <a:cxn ang="0">
+                <a:pos x="connsiteX1" y="connsiteY1"/>
+              </a:cxn>
+              <a:cxn ang="0">
+                <a:pos x="connsiteX2" y="connsiteY2"/>
+              </a:cxn>
+              <a:cxn ang="0">
+                <a:pos x="connsiteX3" y="connsiteY3"/>
+              </a:cxn>
+              <a:cxn ang="0">
+                <a:pos x="connsiteX4" y="connsiteY4"/>
+              </a:cxn>
+              <a:cxn ang="0">
+                <a:pos x="connsiteX5" y="connsiteY5"/>
+              </a:cxn>
+              <a:cxn ang="0">
+                <a:pos x="connsiteX6" y="connsiteY6"/>
+              </a:cxn>
+              <a:cxn ang="0">
+                <a:pos x="connsiteX7" y="connsiteY7"/>
+              </a:cxn>
+              <a:cxn ang="0">
+                <a:pos x="connsiteX8" y="connsiteY8"/>
+              </a:cxn>
+              <a:cxn ang="0">
+                <a:pos x="connsiteX9" y="connsiteY9"/>
+              </a:cxn>
+              <a:cxn ang="0">
+                <a:pos x="connsiteX10" y="connsiteY10"/>
+              </a:cxn>
+              <a:cxn ang="0">
+                <a:pos x="connsiteX11" y="connsiteY11"/>
+              </a:cxn>
+              <a:cxn ang="0">
+                <a:pos x="connsiteX12" y="connsiteY12"/>
+              </a:cxn>
+              <a:cxn ang="0">
+                <a:pos x="connsiteX13" y="connsiteY13"/>
+              </a:cxn>
+              <a:cxn ang="0">
+                <a:pos x="connsiteX14" y="connsiteY14"/>
+              </a:cxn>
+              <a:cxn ang="0">
+                <a:pos x="connsiteX15" y="connsiteY15"/>
+              </a:cxn>
+              <a:cxn ang="0">
+                <a:pos x="connsiteX16" y="connsiteY16"/>
+              </a:cxn>
+              <a:cxn ang="0">
+                <a:pos x="connsiteX17" y="connsiteY17"/>
+              </a:cxn>
+              <a:cxn ang="0">
+                <a:pos x="connsiteX18" y="connsiteY18"/>
+              </a:cxn>
+              <a:cxn ang="0">
+                <a:pos x="connsiteX19" y="connsiteY19"/>
+              </a:cxn>
+              <a:cxn ang="0">
+                <a:pos x="connsiteX20" y="connsiteY20"/>
+              </a:cxn>
+              <a:cxn ang="0">
+                <a:pos x="connsiteX21" y="connsiteY21"/>
+              </a:cxn>
+            </a:cxnLst>
+            <a:rect l="l" t="t" r="r" b="b"/>
+            <a:pathLst>
+              <a:path w="43200" h="43200">
+                <a:moveTo>
+                  <a:pt x="3900" y="14370"/>
+                </a:moveTo>
+                <a:cubicBezTo>
+                  <a:pt x="3629" y="11657"/>
+                  <a:pt x="4261" y="8921"/>
+                  <a:pt x="5623" y="6907"/>
+                </a:cubicBezTo>
+                <a:cubicBezTo>
+                  <a:pt x="7775" y="3726"/>
+                  <a:pt x="11264" y="3017"/>
+                  <a:pt x="14005" y="5202"/>
+                </a:cubicBezTo>
+                <a:cubicBezTo>
+                  <a:pt x="15678" y="909"/>
+                  <a:pt x="19914" y="22"/>
+                  <a:pt x="22456" y="3432"/>
+                </a:cubicBezTo>
+                <a:cubicBezTo>
+                  <a:pt x="23097" y="1683"/>
+                  <a:pt x="24328" y="474"/>
+                  <a:pt x="25749" y="200"/>
+                </a:cubicBezTo>
+                <a:cubicBezTo>
+                  <a:pt x="27313" y="-102"/>
+                  <a:pt x="28875" y="770"/>
+                  <a:pt x="29833" y="2481"/>
+                </a:cubicBezTo>
+                <a:cubicBezTo>
+                  <a:pt x="31215" y="267"/>
+                  <a:pt x="33501" y="-460"/>
+                  <a:pt x="35463" y="690"/>
+                </a:cubicBezTo>
+                <a:cubicBezTo>
+                  <a:pt x="36958" y="1566"/>
+                  <a:pt x="38030" y="3400"/>
+                  <a:pt x="38318" y="5576"/>
+                </a:cubicBezTo>
+                <a:cubicBezTo>
+                  <a:pt x="40046" y="6218"/>
+                  <a:pt x="41422" y="7998"/>
+                  <a:pt x="41982" y="10318"/>
+                </a:cubicBezTo>
+                <a:cubicBezTo>
+                  <a:pt x="42389" y="12002"/>
+                  <a:pt x="42331" y="13831"/>
+                  <a:pt x="41818" y="15460"/>
+                </a:cubicBezTo>
+                <a:cubicBezTo>
+                  <a:pt x="43079" y="17694"/>
+                  <a:pt x="43520" y="20590"/>
+                  <a:pt x="43016" y="23322"/>
+                </a:cubicBezTo>
+                <a:cubicBezTo>
+                  <a:pt x="42346" y="26954"/>
+                  <a:pt x="40128" y="29674"/>
+                  <a:pt x="37404" y="30204"/>
+                </a:cubicBezTo>
+                <a:cubicBezTo>
+                  <a:pt x="37391" y="32471"/>
+                  <a:pt x="36658" y="34621"/>
+                  <a:pt x="35395" y="36101"/>
+                </a:cubicBezTo>
+                <a:cubicBezTo>
+                  <a:pt x="33476" y="38350"/>
+                  <a:pt x="30704" y="38639"/>
+                  <a:pt x="28555" y="36815"/>
+                </a:cubicBezTo>
+                <a:cubicBezTo>
+                  <a:pt x="27860" y="39948"/>
+                  <a:pt x="25999" y="42343"/>
+                  <a:pt x="23667" y="43106"/>
+                </a:cubicBezTo>
+                <a:cubicBezTo>
+                  <a:pt x="20919" y="44005"/>
+                  <a:pt x="18051" y="42473"/>
+                  <a:pt x="16480" y="39266"/>
+                </a:cubicBezTo>
+                <a:cubicBezTo>
+                  <a:pt x="12772" y="42310"/>
+                  <a:pt x="7956" y="40599"/>
+                  <a:pt x="5804" y="35472"/>
+                </a:cubicBezTo>
+                <a:cubicBezTo>
+                  <a:pt x="3690" y="35809"/>
+                  <a:pt x="1705" y="34024"/>
+                  <a:pt x="1110" y="31250"/>
+                </a:cubicBezTo>
+                <a:cubicBezTo>
+                  <a:pt x="679" y="29243"/>
+                  <a:pt x="1060" y="27077"/>
+                  <a:pt x="2113" y="25551"/>
+                </a:cubicBezTo>
+                <a:cubicBezTo>
+                  <a:pt x="619" y="24354"/>
+                  <a:pt x="-213" y="22057"/>
+                  <a:pt x="-5" y="19704"/>
+                </a:cubicBezTo>
+                <a:cubicBezTo>
+                  <a:pt x="239" y="16949"/>
+                  <a:pt x="1845" y="14791"/>
+                  <a:pt x="3863" y="14507"/>
+                </a:cubicBezTo>
+                <a:cubicBezTo>
+                  <a:pt x="3875" y="14461"/>
+                  <a:pt x="3888" y="14416"/>
+                  <a:pt x="3900" y="14370"/>
+                </a:cubicBezTo>
+                <a:close/>
+              </a:path>
+              <a:path w="43200" h="43200" fill="none" extrusionOk="0">
+                <a:moveTo>
+                  <a:pt x="4693" y="26177"/>
+                </a:moveTo>
+                <a:cubicBezTo>
+                  <a:pt x="3809" y="26271"/>
+                  <a:pt x="2925" y="25993"/>
+                  <a:pt x="2160" y="25380"/>
+                </a:cubicBezTo>
+                <a:moveTo>
+                  <a:pt x="6928" y="34899"/>
+                </a:moveTo>
+                <a:cubicBezTo>
+                  <a:pt x="6573" y="35092"/>
+                  <a:pt x="6200" y="35220"/>
+                  <a:pt x="5820" y="35280"/>
+                </a:cubicBezTo>
+                <a:moveTo>
+                  <a:pt x="16478" y="39090"/>
+                </a:moveTo>
+                <a:cubicBezTo>
+                  <a:pt x="16211" y="38544"/>
+                  <a:pt x="15987" y="37961"/>
+                  <a:pt x="15810" y="37350"/>
+                </a:cubicBezTo>
+                <a:moveTo>
+                  <a:pt x="28827" y="34751"/>
+                </a:moveTo>
+                <a:cubicBezTo>
+                  <a:pt x="28788" y="35398"/>
+                  <a:pt x="28698" y="36038"/>
+                  <a:pt x="28560" y="36660"/>
+                </a:cubicBezTo>
+                <a:moveTo>
+                  <a:pt x="34129" y="22954"/>
+                </a:moveTo>
+                <a:cubicBezTo>
+                  <a:pt x="36133" y="24282"/>
+                  <a:pt x="37398" y="27058"/>
+                  <a:pt x="37380" y="30090"/>
+                </a:cubicBezTo>
+                <a:moveTo>
+                  <a:pt x="41798" y="15354"/>
+                </a:moveTo>
+                <a:cubicBezTo>
+                  <a:pt x="41473" y="16386"/>
+                  <a:pt x="40978" y="17302"/>
+                  <a:pt x="40350" y="18030"/>
+                </a:cubicBezTo>
+                <a:moveTo>
+                  <a:pt x="38324" y="5426"/>
+                </a:moveTo>
+                <a:cubicBezTo>
+                  <a:pt x="38379" y="5843"/>
+                  <a:pt x="38405" y="6266"/>
+                  <a:pt x="38400" y="6690"/>
+                </a:cubicBezTo>
+                <a:moveTo>
+                  <a:pt x="29078" y="3952"/>
+                </a:moveTo>
+                <a:cubicBezTo>
+                  <a:pt x="29267" y="3369"/>
+                  <a:pt x="29516" y="2826"/>
+                  <a:pt x="29820" y="2340"/>
+                </a:cubicBezTo>
+                <a:moveTo>
+                  <a:pt x="22141" y="4720"/>
+                </a:moveTo>
+                <a:cubicBezTo>
+                  <a:pt x="22218" y="4238"/>
+                  <a:pt x="22339" y="3771"/>
+                  <a:pt x="22500" y="3330"/>
+                </a:cubicBezTo>
+                <a:moveTo>
+                  <a:pt x="14000" y="5192"/>
+                </a:moveTo>
+                <a:cubicBezTo>
+                  <a:pt x="14472" y="5568"/>
+                  <a:pt x="14908" y="6021"/>
+                  <a:pt x="15300" y="6540"/>
+                </a:cubicBezTo>
+                <a:moveTo>
+                  <a:pt x="4127" y="15789"/>
+                </a:moveTo>
+                <a:cubicBezTo>
+                  <a:pt x="4024" y="15325"/>
+                  <a:pt x="3948" y="14851"/>
+                  <a:pt x="3900" y="14370"/>
+                </a:cubicBezTo>
+              </a:path>
+            </a:pathLst>
+          </a:custGeom>
+        </p:spPr>
+        <p:style>
+          <a:lnRef idx="2">
+            <a:schemeClr val="lt1">
+              <a:hueOff val="0"/>
+              <a:satOff val="0"/>
+              <a:lumOff val="0"/>
+              <a:alphaOff val="0"/>
+            </a:schemeClr>
+          </a:lnRef>
+          <a:fillRef idx="1">
+            <a:schemeClr val="accent5">
+              <a:hueOff val="0"/>
+              <a:satOff val="0"/>
+              <a:lumOff val="0"/>
+              <a:alphaOff val="0"/>
+            </a:schemeClr>
+          </a:fillRef>
+          <a:effectRef idx="0">
+            <a:schemeClr val="accent5">
+              <a:hueOff val="0"/>
+              <a:satOff val="0"/>
+              <a:lumOff val="0"/>
+              <a:alphaOff val="0"/>
+            </a:schemeClr>
+          </a:effectRef>
+          <a:fontRef idx="minor">
+            <a:schemeClr val="lt1"/>
+          </a:fontRef>
+        </p:style>
+        <p:txBody>
+          <a:bodyPr spcFirstLastPara="0" vert="horz" wrap="square" lIns="448118" tIns="300170" rIns="636079" bIns="366561" numCol="1" spcCol="1270" anchor="ctr" anchorCtr="0">
+            <a:noAutofit/>
+          </a:bodyPr>
+          <a:lstStyle/>
+          <a:p>
+            <a:pPr lvl="0" algn="ctr" defTabSz="977900">
+              <a:lnSpc>
+                <a:spcPct val="90000"/>
+              </a:lnSpc>
+              <a:spcBef>
+                <a:spcPct val="0"/>
+              </a:spcBef>
+              <a:spcAft>
+                <a:spcPct val="35000"/>
+              </a:spcAft>
+            </a:pPr>
+            <a:r>
+              <a:rPr lang="en-US" sz="2200" kern="1200" dirty="0" smtClean="0"/>
+              <a:t>Run on the Cloud</a:t>
+            </a:r>
+            <a:endParaRPr lang="en-US" sz="2200" kern="1200" dirty="0"/>
+          </a:p>
+        </p:txBody>
+      </p:sp>
+      <p:grpSp>
+        <p:nvGrpSpPr>
+          <p:cNvPr id="3" name="Group 2"/>
+          <p:cNvGrpSpPr/>
+          <p:nvPr/>
+        </p:nvGrpSpPr>
+        <p:grpSpPr>
+          <a:xfrm>
+            <a:off x="4774395" y="3652833"/>
+            <a:ext cx="2615101" cy="1337010"/>
+            <a:chOff x="4846990" y="2288918"/>
+            <a:chExt cx="1925875" cy="956713"/>
+          </a:xfrm>
+        </p:grpSpPr>
+        <p:sp>
+          <p:nvSpPr>
+            <p:cNvPr id="4" name="Cube 3"/>
+            <p:cNvSpPr/>
+            <p:nvPr/>
+          </p:nvSpPr>
+          <p:spPr>
+            <a:xfrm>
+              <a:off x="4846990" y="2288918"/>
+              <a:ext cx="1925875" cy="956713"/>
+            </a:xfrm>
+            <a:prstGeom prst="cube">
+              <a:avLst/>
+            </a:prstGeom>
+          </p:spPr>
+          <p:style>
+            <a:lnRef idx="2">
+              <a:schemeClr val="lt1">
+                <a:hueOff val="0"/>
+                <a:satOff val="0"/>
+                <a:lumOff val="0"/>
+                <a:alphaOff val="0"/>
+              </a:schemeClr>
+            </a:lnRef>
+            <a:fillRef idx="1">
+              <a:schemeClr val="accent5">
+                <a:hueOff val="0"/>
+                <a:satOff val="0"/>
+                <a:lumOff val="0"/>
+                <a:alphaOff val="0"/>
+              </a:schemeClr>
+            </a:fillRef>
+            <a:effectRef idx="0">
+              <a:schemeClr val="accent5">
+                <a:hueOff val="0"/>
+                <a:satOff val="0"/>
+                <a:lumOff val="0"/>
+                <a:alphaOff val="0"/>
+              </a:schemeClr>
+            </a:effectRef>
+            <a:fontRef idx="minor">
+              <a:schemeClr val="lt1"/>
+            </a:fontRef>
+          </p:style>
+        </p:sp>
+        <p:sp>
+          <p:nvSpPr>
+            <p:cNvPr id="5" name="Cube 4"/>
+            <p:cNvSpPr txBox="1"/>
+            <p:nvPr/>
+          </p:nvSpPr>
+          <p:spPr>
+            <a:xfrm>
+              <a:off x="4917401" y="2462118"/>
+              <a:ext cx="1678660" cy="741646"/>
+            </a:xfrm>
+            <a:prstGeom prst="rect">
+              <a:avLst/>
+            </a:prstGeom>
+          </p:spPr>
+          <p:style>
+            <a:lnRef idx="0">
+              <a:scrgbClr r="0" g="0" b="0"/>
+            </a:lnRef>
+            <a:fillRef idx="0">
+              <a:scrgbClr r="0" g="0" b="0"/>
+            </a:fillRef>
+            <a:effectRef idx="0">
+              <a:scrgbClr r="0" g="0" b="0"/>
+            </a:effectRef>
+            <a:fontRef idx="minor">
+              <a:schemeClr val="lt1"/>
+            </a:fontRef>
+          </p:style>
+          <p:txBody>
+            <a:bodyPr spcFirstLastPara="0" vert="horz" wrap="square" lIns="68580" tIns="68580" rIns="68580" bIns="68580" numCol="1" spcCol="1270" anchor="ctr" anchorCtr="0">
+              <a:noAutofit/>
+            </a:bodyPr>
+            <a:lstStyle/>
+            <a:p>
+              <a:pPr lvl="0" algn="ctr" defTabSz="800100">
+                <a:lnSpc>
+                  <a:spcPct val="90000"/>
+                </a:lnSpc>
+                <a:spcBef>
+                  <a:spcPct val="0"/>
+                </a:spcBef>
+                <a:spcAft>
+                  <a:spcPct val="35000"/>
+                </a:spcAft>
+              </a:pPr>
+              <a:r>
+                <a:rPr lang="en-US" sz="2300" dirty="0" err="1" smtClean="0"/>
+                <a:t>docker</a:t>
+              </a:r>
+              <a:r>
+                <a:rPr lang="en-US" sz="2300" dirty="0" smtClean="0"/>
+                <a:t>, k8s</a:t>
+              </a:r>
+              <a:endParaRPr lang="en-US" sz="2300" kern="1200" dirty="0"/>
+            </a:p>
+          </p:txBody>
+        </p:sp>
+      </p:grpSp>
+    </p:spTree>
+    <p:extLst>
+      <p:ext uri="{BB962C8B-B14F-4D97-AF65-F5344CB8AC3E}">
+        <p14:creationId xmlns:p14="http://schemas.microsoft.com/office/powerpoint/2010/main" val="4166194332"/>
       </p:ext>
     </p:extLst>
   </p:cSld>
@@ -6982,7 +8538,7 @@
 </file>
 
 <file path=customXml/itemProps2.xml><?xml version="1.0" encoding="utf-8"?>
-<ds:datastoreItem xmlns:ds="http://schemas.openxmlformats.org/officeDocument/2006/customXml" ds:itemID="{4D4CB2F3-A969-4E88-BE01-D6C2F62C39BA}">
+<ds:datastoreItem xmlns:ds="http://schemas.openxmlformats.org/officeDocument/2006/customXml" ds:itemID="{3D3A2C28-A1C5-4398-9CAF-222D4F8F58F2}">
   <ds:schemaRefs>
     <ds:schemaRef ds:uri="http://www.w3.org/2001/XMLSchema"/>
     <ds:schemaRef ds:uri="http://www.boldonjames.com/2008/01/sie/internal/label"/>
